--- a/Proposal/DEVELOPMENT OF A COMPREHENSIVE MOBILE APPLICATION FOR.pptx
+++ b/Proposal/DEVELOPMENT OF A COMPREHENSIVE MOBILE APPLICATION FOR.pptx
@@ -8,11 +8,11 @@
     <p:sldId id="257" r:id="rId2"/>
     <p:sldId id="258" r:id="rId3"/>
     <p:sldId id="264" r:id="rId4"/>
-    <p:sldId id="259" r:id="rId5"/>
-    <p:sldId id="261" r:id="rId6"/>
-    <p:sldId id="260" r:id="rId7"/>
-    <p:sldId id="263" r:id="rId8"/>
-    <p:sldId id="262" r:id="rId9"/>
+    <p:sldId id="262" r:id="rId5"/>
+    <p:sldId id="259" r:id="rId6"/>
+    <p:sldId id="261" r:id="rId7"/>
+    <p:sldId id="260" r:id="rId8"/>
+    <p:sldId id="263" r:id="rId9"/>
     <p:sldId id="265" r:id="rId10"/>
   </p:sldIdLst>
   <p:sldSz cx="12192000" cy="6858000"/>
@@ -112,6 +112,11 @@
       </a:defRPr>
     </a:lvl9pPr>
   </p:defaultTextStyle>
+  <p:extLst>
+    <p:ext uri="{EFAFB233-063F-42B5-8137-9DF3F51BA10A}">
+      <p15:sldGuideLst xmlns:p15="http://schemas.microsoft.com/office/powerpoint/2012/main"/>
+    </p:ext>
+  </p:extLst>
 </p:presentation>
 </file>
 
@@ -262,7 +267,7 @@
           <a:p>
             <a:fld id="{F85E37DB-1C9C-4FCD-8E8F-DFCA7CC4ABB7}" type="datetimeFigureOut">
               <a:rPr lang="en-US" smtClean="0"/>
-              <a:t>12/25/2024</a:t>
+              <a:t>12/26/2024</a:t>
             </a:fld>
             <a:endParaRPr lang="en-US"/>
           </a:p>
@@ -460,7 +465,7 @@
           <a:p>
             <a:fld id="{F85E37DB-1C9C-4FCD-8E8F-DFCA7CC4ABB7}" type="datetimeFigureOut">
               <a:rPr lang="en-US" smtClean="0"/>
-              <a:t>12/25/2024</a:t>
+              <a:t>12/26/2024</a:t>
             </a:fld>
             <a:endParaRPr lang="en-US"/>
           </a:p>
@@ -668,7 +673,7 @@
           <a:p>
             <a:fld id="{F85E37DB-1C9C-4FCD-8E8F-DFCA7CC4ABB7}" type="datetimeFigureOut">
               <a:rPr lang="en-US" smtClean="0"/>
-              <a:t>12/25/2024</a:t>
+              <a:t>12/26/2024</a:t>
             </a:fld>
             <a:endParaRPr lang="en-US"/>
           </a:p>
@@ -866,7 +871,7 @@
           <a:p>
             <a:fld id="{F85E37DB-1C9C-4FCD-8E8F-DFCA7CC4ABB7}" type="datetimeFigureOut">
               <a:rPr lang="en-US" smtClean="0"/>
-              <a:t>12/25/2024</a:t>
+              <a:t>12/26/2024</a:t>
             </a:fld>
             <a:endParaRPr lang="en-US"/>
           </a:p>
@@ -1141,7 +1146,7 @@
           <a:p>
             <a:fld id="{F85E37DB-1C9C-4FCD-8E8F-DFCA7CC4ABB7}" type="datetimeFigureOut">
               <a:rPr lang="en-US" smtClean="0"/>
-              <a:t>12/25/2024</a:t>
+              <a:t>12/26/2024</a:t>
             </a:fld>
             <a:endParaRPr lang="en-US"/>
           </a:p>
@@ -1406,7 +1411,7 @@
           <a:p>
             <a:fld id="{F85E37DB-1C9C-4FCD-8E8F-DFCA7CC4ABB7}" type="datetimeFigureOut">
               <a:rPr lang="en-US" smtClean="0"/>
-              <a:t>12/25/2024</a:t>
+              <a:t>12/26/2024</a:t>
             </a:fld>
             <a:endParaRPr lang="en-US"/>
           </a:p>
@@ -1818,7 +1823,7 @@
           <a:p>
             <a:fld id="{F85E37DB-1C9C-4FCD-8E8F-DFCA7CC4ABB7}" type="datetimeFigureOut">
               <a:rPr lang="en-US" smtClean="0"/>
-              <a:t>12/25/2024</a:t>
+              <a:t>12/26/2024</a:t>
             </a:fld>
             <a:endParaRPr lang="en-US"/>
           </a:p>
@@ -1959,7 +1964,7 @@
           <a:p>
             <a:fld id="{F85E37DB-1C9C-4FCD-8E8F-DFCA7CC4ABB7}" type="datetimeFigureOut">
               <a:rPr lang="en-US" smtClean="0"/>
-              <a:t>12/25/2024</a:t>
+              <a:t>12/26/2024</a:t>
             </a:fld>
             <a:endParaRPr lang="en-US"/>
           </a:p>
@@ -2072,7 +2077,7 @@
           <a:p>
             <a:fld id="{F85E37DB-1C9C-4FCD-8E8F-DFCA7CC4ABB7}" type="datetimeFigureOut">
               <a:rPr lang="en-US" smtClean="0"/>
-              <a:t>12/25/2024</a:t>
+              <a:t>12/26/2024</a:t>
             </a:fld>
             <a:endParaRPr lang="en-US"/>
           </a:p>
@@ -2383,7 +2388,7 @@
           <a:p>
             <a:fld id="{F85E37DB-1C9C-4FCD-8E8F-DFCA7CC4ABB7}" type="datetimeFigureOut">
               <a:rPr lang="en-US" smtClean="0"/>
-              <a:t>12/25/2024</a:t>
+              <a:t>12/26/2024</a:t>
             </a:fld>
             <a:endParaRPr lang="en-US"/>
           </a:p>
@@ -2671,7 +2676,7 @@
           <a:p>
             <a:fld id="{F85E37DB-1C9C-4FCD-8E8F-DFCA7CC4ABB7}" type="datetimeFigureOut">
               <a:rPr lang="en-US" smtClean="0"/>
-              <a:t>12/25/2024</a:t>
+              <a:t>12/26/2024</a:t>
             </a:fld>
             <a:endParaRPr lang="en-US"/>
           </a:p>
@@ -2912,7 +2917,7 @@
           <a:p>
             <a:fld id="{F85E37DB-1C9C-4FCD-8E8F-DFCA7CC4ABB7}" type="datetimeFigureOut">
               <a:rPr lang="en-US" smtClean="0"/>
-              <a:t>12/25/2024</a:t>
+              <a:t>12/26/2024</a:t>
             </a:fld>
             <a:endParaRPr lang="en-US"/>
           </a:p>
@@ -3885,13 +3890,13 @@
         </p:nvSpPr>
         <p:spPr>
           <a:xfrm>
-            <a:off x="946840" y="2828296"/>
+            <a:off x="946840" y="2698317"/>
             <a:ext cx="4168366" cy="1461365"/>
           </a:xfrm>
         </p:spPr>
         <p:txBody>
           <a:bodyPr>
-            <a:normAutofit fontScale="85000" lnSpcReduction="20000"/>
+            <a:normAutofit lnSpcReduction="10000"/>
           </a:bodyPr>
           <a:lstStyle/>
           <a:p>
@@ -3899,13 +3904,13 @@
               <a:buNone/>
             </a:pPr>
             <a:r>
-              <a:rPr lang="en-US" b="0" i="0" dirty="0">
+              <a:rPr lang="en-US" sz="2000" b="0" i="0" dirty="0">
                 <a:effectLst/>
                 <a:latin typeface="gg sans"/>
               </a:rPr>
               <a:t>The current systems at IOEPC are fragmented, relying on offline methods and social media, leading to inefficiencies and missed communications. </a:t>
             </a:r>
-            <a:endParaRPr lang="en-US" dirty="0"/>
+            <a:endParaRPr lang="en-US" sz="2000" dirty="0"/>
           </a:p>
         </p:txBody>
       </p:sp>
@@ -3925,8 +3930,8 @@
         </p:nvSpPr>
         <p:spPr>
           <a:xfrm>
-            <a:off x="7076795" y="2828296"/>
-            <a:ext cx="3757189" cy="1542264"/>
+            <a:off x="7076796" y="2698317"/>
+            <a:ext cx="3757189" cy="1241959"/>
           </a:xfrm>
           <a:prstGeom prst="rect">
             <a:avLst/>
@@ -3934,7 +3939,7 @@
         </p:spPr>
         <p:txBody>
           <a:bodyPr vert="horz" lIns="91440" tIns="45720" rIns="91440" bIns="45720" rtlCol="0">
-            <a:normAutofit fontScale="77500" lnSpcReduction="20000"/>
+            <a:normAutofit fontScale="70000" lnSpcReduction="20000"/>
           </a:bodyPr>
           <a:lstStyle>
             <a:lvl1pPr marL="228600" indent="-228600" algn="l" defTabSz="914400" rtl="0" eaLnBrk="1" latinLnBrk="0" hangingPunct="1">
@@ -4115,6 +4120,208 @@
           </a:p>
         </p:txBody>
       </p:sp>
+      <p:sp>
+        <p:nvSpPr>
+          <p:cNvPr id="3" name="Content Placeholder 7">
+            <a:extLst>
+              <a:ext uri="{FF2B5EF4-FFF2-40B4-BE49-F238E27FC236}">
+                <a16:creationId xmlns:a16="http://schemas.microsoft.com/office/drawing/2014/main" id="{F7B41CD5-544B-4563-872A-9BA9F742C7AB}"/>
+              </a:ext>
+            </a:extLst>
+          </p:cNvPr>
+          <p:cNvSpPr txBox="1">
+            <a:spLocks/>
+          </p:cNvSpPr>
+          <p:nvPr/>
+        </p:nvSpPr>
+        <p:spPr>
+          <a:xfrm>
+            <a:off x="4344155" y="4577297"/>
+            <a:ext cx="3105338" cy="1070574"/>
+          </a:xfrm>
+          <a:prstGeom prst="rect">
+            <a:avLst/>
+          </a:prstGeom>
+        </p:spPr>
+        <p:txBody>
+          <a:bodyPr vert="horz" lIns="91440" tIns="45720" rIns="91440" bIns="45720" rtlCol="0">
+            <a:normAutofit/>
+          </a:bodyPr>
+          <a:lstStyle>
+            <a:lvl1pPr marL="228600" indent="-228600" algn="l" defTabSz="914400" rtl="0" eaLnBrk="1" latinLnBrk="0" hangingPunct="1">
+              <a:lnSpc>
+                <a:spcPct val="90000"/>
+              </a:lnSpc>
+              <a:spcBef>
+                <a:spcPts val="1000"/>
+              </a:spcBef>
+              <a:buFont typeface="Arial" panose="020B0604020202020204" pitchFamily="34" charset="0"/>
+              <a:buChar char="•"/>
+              <a:defRPr sz="2800" kern="1200">
+                <a:solidFill>
+                  <a:schemeClr val="tx1"/>
+                </a:solidFill>
+                <a:latin typeface="+mn-lt"/>
+                <a:ea typeface="+mn-ea"/>
+                <a:cs typeface="+mn-cs"/>
+              </a:defRPr>
+            </a:lvl1pPr>
+            <a:lvl2pPr marL="685800" indent="-228600" algn="l" defTabSz="914400" rtl="0" eaLnBrk="1" latinLnBrk="0" hangingPunct="1">
+              <a:lnSpc>
+                <a:spcPct val="90000"/>
+              </a:lnSpc>
+              <a:spcBef>
+                <a:spcPts val="500"/>
+              </a:spcBef>
+              <a:buFont typeface="Arial" panose="020B0604020202020204" pitchFamily="34" charset="0"/>
+              <a:buChar char="•"/>
+              <a:defRPr sz="2400" kern="1200">
+                <a:solidFill>
+                  <a:schemeClr val="tx1"/>
+                </a:solidFill>
+                <a:latin typeface="+mn-lt"/>
+                <a:ea typeface="+mn-ea"/>
+                <a:cs typeface="+mn-cs"/>
+              </a:defRPr>
+            </a:lvl2pPr>
+            <a:lvl3pPr marL="1143000" indent="-228600" algn="l" defTabSz="914400" rtl="0" eaLnBrk="1" latinLnBrk="0" hangingPunct="1">
+              <a:lnSpc>
+                <a:spcPct val="90000"/>
+              </a:lnSpc>
+              <a:spcBef>
+                <a:spcPts val="500"/>
+              </a:spcBef>
+              <a:buFont typeface="Arial" panose="020B0604020202020204" pitchFamily="34" charset="0"/>
+              <a:buChar char="•"/>
+              <a:defRPr sz="2000" kern="1200">
+                <a:solidFill>
+                  <a:schemeClr val="tx1"/>
+                </a:solidFill>
+                <a:latin typeface="+mn-lt"/>
+                <a:ea typeface="+mn-ea"/>
+                <a:cs typeface="+mn-cs"/>
+              </a:defRPr>
+            </a:lvl3pPr>
+            <a:lvl4pPr marL="1600200" indent="-228600" algn="l" defTabSz="914400" rtl="0" eaLnBrk="1" latinLnBrk="0" hangingPunct="1">
+              <a:lnSpc>
+                <a:spcPct val="90000"/>
+              </a:lnSpc>
+              <a:spcBef>
+                <a:spcPts val="500"/>
+              </a:spcBef>
+              <a:buFont typeface="Arial" panose="020B0604020202020204" pitchFamily="34" charset="0"/>
+              <a:buChar char="•"/>
+              <a:defRPr sz="1800" kern="1200">
+                <a:solidFill>
+                  <a:schemeClr val="tx1"/>
+                </a:solidFill>
+                <a:latin typeface="+mn-lt"/>
+                <a:ea typeface="+mn-ea"/>
+                <a:cs typeface="+mn-cs"/>
+              </a:defRPr>
+            </a:lvl4pPr>
+            <a:lvl5pPr marL="2057400" indent="-228600" algn="l" defTabSz="914400" rtl="0" eaLnBrk="1" latinLnBrk="0" hangingPunct="1">
+              <a:lnSpc>
+                <a:spcPct val="90000"/>
+              </a:lnSpc>
+              <a:spcBef>
+                <a:spcPts val="500"/>
+              </a:spcBef>
+              <a:buFont typeface="Arial" panose="020B0604020202020204" pitchFamily="34" charset="0"/>
+              <a:buChar char="•"/>
+              <a:defRPr sz="1800" kern="1200">
+                <a:solidFill>
+                  <a:schemeClr val="tx1"/>
+                </a:solidFill>
+                <a:latin typeface="+mn-lt"/>
+                <a:ea typeface="+mn-ea"/>
+                <a:cs typeface="+mn-cs"/>
+              </a:defRPr>
+            </a:lvl5pPr>
+            <a:lvl6pPr marL="2514600" indent="-228600" algn="l" defTabSz="914400" rtl="0" eaLnBrk="1" latinLnBrk="0" hangingPunct="1">
+              <a:lnSpc>
+                <a:spcPct val="90000"/>
+              </a:lnSpc>
+              <a:spcBef>
+                <a:spcPts val="500"/>
+              </a:spcBef>
+              <a:buFont typeface="Arial" panose="020B0604020202020204" pitchFamily="34" charset="0"/>
+              <a:buChar char="•"/>
+              <a:defRPr sz="1800" kern="1200">
+                <a:solidFill>
+                  <a:schemeClr val="tx1"/>
+                </a:solidFill>
+                <a:latin typeface="+mn-lt"/>
+                <a:ea typeface="+mn-ea"/>
+                <a:cs typeface="+mn-cs"/>
+              </a:defRPr>
+            </a:lvl6pPr>
+            <a:lvl7pPr marL="2971800" indent="-228600" algn="l" defTabSz="914400" rtl="0" eaLnBrk="1" latinLnBrk="0" hangingPunct="1">
+              <a:lnSpc>
+                <a:spcPct val="90000"/>
+              </a:lnSpc>
+              <a:spcBef>
+                <a:spcPts val="500"/>
+              </a:spcBef>
+              <a:buFont typeface="Arial" panose="020B0604020202020204" pitchFamily="34" charset="0"/>
+              <a:buChar char="•"/>
+              <a:defRPr sz="1800" kern="1200">
+                <a:solidFill>
+                  <a:schemeClr val="tx1"/>
+                </a:solidFill>
+                <a:latin typeface="+mn-lt"/>
+                <a:ea typeface="+mn-ea"/>
+                <a:cs typeface="+mn-cs"/>
+              </a:defRPr>
+            </a:lvl7pPr>
+            <a:lvl8pPr marL="3429000" indent="-228600" algn="l" defTabSz="914400" rtl="0" eaLnBrk="1" latinLnBrk="0" hangingPunct="1">
+              <a:lnSpc>
+                <a:spcPct val="90000"/>
+              </a:lnSpc>
+              <a:spcBef>
+                <a:spcPts val="500"/>
+              </a:spcBef>
+              <a:buFont typeface="Arial" panose="020B0604020202020204" pitchFamily="34" charset="0"/>
+              <a:buChar char="•"/>
+              <a:defRPr sz="1800" kern="1200">
+                <a:solidFill>
+                  <a:schemeClr val="tx1"/>
+                </a:solidFill>
+                <a:latin typeface="+mn-lt"/>
+                <a:ea typeface="+mn-ea"/>
+                <a:cs typeface="+mn-cs"/>
+              </a:defRPr>
+            </a:lvl8pPr>
+            <a:lvl9pPr marL="3886200" indent="-228600" algn="l" defTabSz="914400" rtl="0" eaLnBrk="1" latinLnBrk="0" hangingPunct="1">
+              <a:lnSpc>
+                <a:spcPct val="90000"/>
+              </a:lnSpc>
+              <a:spcBef>
+                <a:spcPts val="500"/>
+              </a:spcBef>
+              <a:buFont typeface="Arial" panose="020B0604020202020204" pitchFamily="34" charset="0"/>
+              <a:buChar char="•"/>
+              <a:defRPr sz="1800" kern="1200">
+                <a:solidFill>
+                  <a:schemeClr val="tx1"/>
+                </a:solidFill>
+                <a:latin typeface="+mn-lt"/>
+                <a:ea typeface="+mn-ea"/>
+                <a:cs typeface="+mn-cs"/>
+              </a:defRPr>
+            </a:lvl9pPr>
+          </a:lstStyle>
+          <a:p>
+            <a:pPr marL="0" indent="0" algn="ctr">
+              <a:buNone/>
+            </a:pPr>
+            <a:r>
+              <a:rPr lang="en-US" sz="2000" dirty="0"/>
+              <a:t>Teacher are heavily reliant on CR for submission and notes.</a:t>
+            </a:r>
+          </a:p>
+        </p:txBody>
+      </p:sp>
     </p:spTree>
     <p:extLst>
       <p:ext uri="{BB962C8B-B14F-4D97-AF65-F5344CB8AC3E}">
@@ -4129,710 +4336,6 @@
 </file>
 
 <file path=ppt/slides/slide4.xml><?xml version="1.0" encoding="utf-8"?>
-<p:sld xmlns:a="http://schemas.openxmlformats.org/drawingml/2006/main" xmlns:r="http://schemas.openxmlformats.org/officeDocument/2006/relationships" xmlns:p="http://schemas.openxmlformats.org/presentationml/2006/main">
-  <p:cSld>
-    <p:spTree>
-      <p:nvGrpSpPr>
-        <p:cNvPr id="1" name=""/>
-        <p:cNvGrpSpPr/>
-        <p:nvPr/>
-      </p:nvGrpSpPr>
-      <p:grpSpPr>
-        <a:xfrm>
-          <a:off x="0" y="0"/>
-          <a:ext cx="0" cy="0"/>
-          <a:chOff x="0" y="0"/>
-          <a:chExt cx="0" cy="0"/>
-        </a:xfrm>
-      </p:grpSpPr>
-      <p:sp>
-        <p:nvSpPr>
-          <p:cNvPr id="2" name="Title 1">
-            <a:extLst>
-              <a:ext uri="{FF2B5EF4-FFF2-40B4-BE49-F238E27FC236}">
-                <a16:creationId xmlns:a16="http://schemas.microsoft.com/office/drawing/2014/main" id="{D794A590-02E8-FCA9-C4A2-56CE1702421D}"/>
-              </a:ext>
-            </a:extLst>
-          </p:cNvPr>
-          <p:cNvSpPr>
-            <a:spLocks noGrp="1"/>
-          </p:cNvSpPr>
-          <p:nvPr>
-            <p:ph type="title"/>
-          </p:nvPr>
-        </p:nvSpPr>
-        <p:spPr/>
-        <p:txBody>
-          <a:bodyPr/>
-          <a:lstStyle/>
-          <a:p>
-            <a:r>
-              <a:rPr lang="en-US" dirty="0"/>
-              <a:t>What the project entails?</a:t>
-            </a:r>
-          </a:p>
-        </p:txBody>
-      </p:sp>
-      <p:pic>
-        <p:nvPicPr>
-          <p:cNvPr id="7" name="Picture 6" descr="A colorful logo with a blue and orange stripe&#10;&#10;Description automatically generated">
-            <a:extLst>
-              <a:ext uri="{FF2B5EF4-FFF2-40B4-BE49-F238E27FC236}">
-                <a16:creationId xmlns:a16="http://schemas.microsoft.com/office/drawing/2014/main" id="{2D98B5F4-3D04-BE77-8539-2CFD0AE8BB17}"/>
-              </a:ext>
-            </a:extLst>
-          </p:cNvPr>
-          <p:cNvPicPr>
-            <a:picLocks noChangeAspect="1"/>
-          </p:cNvPicPr>
-          <p:nvPr/>
-        </p:nvPicPr>
-        <p:blipFill>
-          <a:blip r:embed="rId2">
-            <a:extLst>
-              <a:ext uri="{28A0092B-C50C-407E-A947-70E740481C1C}">
-                <a14:useLocalDpi xmlns:a14="http://schemas.microsoft.com/office/drawing/2010/main" val="0"/>
-              </a:ext>
-            </a:extLst>
-          </a:blip>
-          <a:stretch>
-            <a:fillRect/>
-          </a:stretch>
-        </p:blipFill>
-        <p:spPr>
-          <a:xfrm>
-            <a:off x="1586594" y="2112450"/>
-            <a:ext cx="2381250" cy="2381250"/>
-          </a:xfrm>
-          <a:prstGeom prst="rect">
-            <a:avLst/>
-          </a:prstGeom>
-        </p:spPr>
-      </p:pic>
-      <p:pic>
-        <p:nvPicPr>
-          <p:cNvPr id="13" name="Graphic 12">
-            <a:extLst>
-              <a:ext uri="{FF2B5EF4-FFF2-40B4-BE49-F238E27FC236}">
-                <a16:creationId xmlns:a16="http://schemas.microsoft.com/office/drawing/2014/main" id="{76FB12FA-B11B-1F4B-DCCF-728F37C78570}"/>
-              </a:ext>
-            </a:extLst>
-          </p:cNvPr>
-          <p:cNvPicPr>
-            <a:picLocks noChangeAspect="1"/>
-          </p:cNvPicPr>
-          <p:nvPr/>
-        </p:nvPicPr>
-        <p:blipFill>
-          <a:blip r:embed="rId3">
-            <a:extLst>
-              <a:ext uri="{96DAC541-7B7A-43D3-8B79-37D633B846F1}">
-                <asvg:svgBlip xmlns:asvg="http://schemas.microsoft.com/office/drawing/2016/SVG/main" r:embed="rId4"/>
-              </a:ext>
-            </a:extLst>
-          </a:blip>
-          <a:stretch>
-            <a:fillRect/>
-          </a:stretch>
-        </p:blipFill>
-        <p:spPr>
-          <a:xfrm rot="21265463">
-            <a:off x="1482513" y="3238582"/>
-            <a:ext cx="1233488" cy="1320218"/>
-          </a:xfrm>
-          <a:prstGeom prst="rect">
-            <a:avLst/>
-          </a:prstGeom>
-        </p:spPr>
-      </p:pic>
-      <p:sp>
-        <p:nvSpPr>
-          <p:cNvPr id="14" name="TextBox 13">
-            <a:extLst>
-              <a:ext uri="{FF2B5EF4-FFF2-40B4-BE49-F238E27FC236}">
-                <a16:creationId xmlns:a16="http://schemas.microsoft.com/office/drawing/2014/main" id="{E3316039-28F6-F9E5-5D78-22F040AA327D}"/>
-              </a:ext>
-            </a:extLst>
-          </p:cNvPr>
-          <p:cNvSpPr txBox="1"/>
-          <p:nvPr/>
-        </p:nvSpPr>
-        <p:spPr>
-          <a:xfrm>
-            <a:off x="986827" y="4961299"/>
-            <a:ext cx="3295462" cy="646331"/>
-          </a:xfrm>
-          <a:prstGeom prst="rect">
-            <a:avLst/>
-          </a:prstGeom>
-          <a:noFill/>
-        </p:spPr>
-        <p:txBody>
-          <a:bodyPr wrap="square" rtlCol="0">
-            <a:spAutoFit/>
-          </a:bodyPr>
-          <a:lstStyle/>
-          <a:p>
-            <a:pPr algn="ctr"/>
-            <a:r>
-              <a:rPr lang="en-US" dirty="0"/>
-              <a:t>A mobile app, developed using Kotlin, for student and teacher.</a:t>
-            </a:r>
-          </a:p>
-        </p:txBody>
-      </p:sp>
-      <p:pic>
-        <p:nvPicPr>
-          <p:cNvPr id="16" name="Graphic 15">
-            <a:extLst>
-              <a:ext uri="{FF2B5EF4-FFF2-40B4-BE49-F238E27FC236}">
-                <a16:creationId xmlns:a16="http://schemas.microsoft.com/office/drawing/2014/main" id="{2ED7BCD2-906D-6455-849C-7922FA696E0D}"/>
-              </a:ext>
-            </a:extLst>
-          </p:cNvPr>
-          <p:cNvPicPr>
-            <a:picLocks noChangeAspect="1"/>
-          </p:cNvPicPr>
-          <p:nvPr/>
-        </p:nvPicPr>
-        <p:blipFill>
-          <a:blip r:embed="rId5">
-            <a:extLst>
-              <a:ext uri="{96DAC541-7B7A-43D3-8B79-37D633B846F1}">
-                <asvg:svgBlip xmlns:asvg="http://schemas.microsoft.com/office/drawing/2016/SVG/main" r:embed="rId6"/>
-              </a:ext>
-            </a:extLst>
-          </a:blip>
-          <a:stretch>
-            <a:fillRect/>
-          </a:stretch>
-        </p:blipFill>
-        <p:spPr>
-          <a:xfrm>
-            <a:off x="5223093" y="2538012"/>
-            <a:ext cx="2000816" cy="1781976"/>
-          </a:xfrm>
-          <a:prstGeom prst="rect">
-            <a:avLst/>
-          </a:prstGeom>
-        </p:spPr>
-      </p:pic>
-      <p:sp>
-        <p:nvSpPr>
-          <p:cNvPr id="17" name="TextBox 16">
-            <a:extLst>
-              <a:ext uri="{FF2B5EF4-FFF2-40B4-BE49-F238E27FC236}">
-                <a16:creationId xmlns:a16="http://schemas.microsoft.com/office/drawing/2014/main" id="{7FC8EC37-3F48-1123-3FC5-26F22B2DE161}"/>
-              </a:ext>
-            </a:extLst>
-          </p:cNvPr>
-          <p:cNvSpPr txBox="1"/>
-          <p:nvPr/>
-        </p:nvSpPr>
-        <p:spPr>
-          <a:xfrm>
-            <a:off x="4561437" y="4961299"/>
-            <a:ext cx="3069125" cy="646331"/>
-          </a:xfrm>
-          <a:prstGeom prst="rect">
-            <a:avLst/>
-          </a:prstGeom>
-          <a:noFill/>
-        </p:spPr>
-        <p:txBody>
-          <a:bodyPr wrap="square" rtlCol="0">
-            <a:spAutoFit/>
-          </a:bodyPr>
-          <a:lstStyle/>
-          <a:p>
-            <a:pPr algn="ctr"/>
-            <a:r>
-              <a:rPr lang="en-US" dirty="0"/>
-              <a:t>A web app, developed using React, for administrator</a:t>
-            </a:r>
-          </a:p>
-        </p:txBody>
-      </p:sp>
-      <p:pic>
-        <p:nvPicPr>
-          <p:cNvPr id="21" name="Graphic 20">
-            <a:extLst>
-              <a:ext uri="{FF2B5EF4-FFF2-40B4-BE49-F238E27FC236}">
-                <a16:creationId xmlns:a16="http://schemas.microsoft.com/office/drawing/2014/main" id="{1786C092-DDBC-2410-D9A6-215558AD1643}"/>
-              </a:ext>
-            </a:extLst>
-          </p:cNvPr>
-          <p:cNvPicPr>
-            <a:picLocks noChangeAspect="1"/>
-          </p:cNvPicPr>
-          <p:nvPr/>
-        </p:nvPicPr>
-        <p:blipFill>
-          <a:blip r:embed="rId7">
-            <a:extLst>
-              <a:ext uri="{96DAC541-7B7A-43D3-8B79-37D633B846F1}">
-                <asvg:svgBlip xmlns:asvg="http://schemas.microsoft.com/office/drawing/2016/SVG/main" r:embed="rId8"/>
-              </a:ext>
-            </a:extLst>
-          </a:blip>
-          <a:stretch>
-            <a:fillRect/>
-          </a:stretch>
-        </p:blipFill>
-        <p:spPr>
-          <a:xfrm rot="19885040">
-            <a:off x="8790564" y="2691013"/>
-            <a:ext cx="1489167" cy="1681130"/>
-          </a:xfrm>
-          <a:prstGeom prst="rect">
-            <a:avLst/>
-          </a:prstGeom>
-        </p:spPr>
-      </p:pic>
-      <p:pic>
-        <p:nvPicPr>
-          <p:cNvPr id="23" name="Graphic 22">
-            <a:extLst>
-              <a:ext uri="{FF2B5EF4-FFF2-40B4-BE49-F238E27FC236}">
-                <a16:creationId xmlns:a16="http://schemas.microsoft.com/office/drawing/2014/main" id="{93874765-10C8-2124-4994-3F196030D480}"/>
-              </a:ext>
-            </a:extLst>
-          </p:cNvPr>
-          <p:cNvPicPr>
-            <a:picLocks noChangeAspect="1"/>
-          </p:cNvPicPr>
-          <p:nvPr/>
-        </p:nvPicPr>
-        <p:blipFill>
-          <a:blip r:embed="rId9">
-            <a:extLst>
-              <a:ext uri="{96DAC541-7B7A-43D3-8B79-37D633B846F1}">
-                <asvg:svgBlip xmlns:asvg="http://schemas.microsoft.com/office/drawing/2016/SVG/main" r:embed="rId10"/>
-              </a:ext>
-            </a:extLst>
-          </a:blip>
-          <a:stretch>
-            <a:fillRect/>
-          </a:stretch>
-        </p:blipFill>
-        <p:spPr>
-          <a:xfrm rot="1413129">
-            <a:off x="9353096" y="2397367"/>
-            <a:ext cx="2022388" cy="2860380"/>
-          </a:xfrm>
-          <a:prstGeom prst="rect">
-            <a:avLst/>
-          </a:prstGeom>
-        </p:spPr>
-      </p:pic>
-      <p:sp>
-        <p:nvSpPr>
-          <p:cNvPr id="24" name="TextBox 23">
-            <a:extLst>
-              <a:ext uri="{FF2B5EF4-FFF2-40B4-BE49-F238E27FC236}">
-                <a16:creationId xmlns:a16="http://schemas.microsoft.com/office/drawing/2014/main" id="{5BF890B4-07AA-DE64-2BBC-2A635A067E20}"/>
-              </a:ext>
-            </a:extLst>
-          </p:cNvPr>
-          <p:cNvSpPr txBox="1"/>
-          <p:nvPr/>
-        </p:nvSpPr>
-        <p:spPr>
-          <a:xfrm>
-            <a:off x="8017254" y="4947353"/>
-            <a:ext cx="3069125" cy="923330"/>
-          </a:xfrm>
-          <a:prstGeom prst="rect">
-            <a:avLst/>
-          </a:prstGeom>
-          <a:noFill/>
-        </p:spPr>
-        <p:txBody>
-          <a:bodyPr wrap="square" rtlCol="0">
-            <a:spAutoFit/>
-          </a:bodyPr>
-          <a:lstStyle/>
-          <a:p>
-            <a:pPr algn="ctr"/>
-            <a:r>
-              <a:rPr lang="en-US" dirty="0"/>
-              <a:t>Backend using Node.js and Express.js, with MongoDB as database.</a:t>
-            </a:r>
-          </a:p>
-        </p:txBody>
-      </p:sp>
-    </p:spTree>
-    <p:extLst>
-      <p:ext uri="{BB962C8B-B14F-4D97-AF65-F5344CB8AC3E}">
-        <p14:creationId xmlns:p14="http://schemas.microsoft.com/office/powerpoint/2010/main" val="2976502449"/>
-      </p:ext>
-    </p:extLst>
-  </p:cSld>
-  <p:clrMapOvr>
-    <a:masterClrMapping/>
-  </p:clrMapOvr>
-</p:sld>
-</file>
-
-<file path=ppt/slides/slide5.xml><?xml version="1.0" encoding="utf-8"?>
-<p:sld xmlns:a="http://schemas.openxmlformats.org/drawingml/2006/main" xmlns:r="http://schemas.openxmlformats.org/officeDocument/2006/relationships" xmlns:p="http://schemas.openxmlformats.org/presentationml/2006/main">
-  <p:cSld>
-    <p:spTree>
-      <p:nvGrpSpPr>
-        <p:cNvPr id="1" name=""/>
-        <p:cNvGrpSpPr/>
-        <p:nvPr/>
-      </p:nvGrpSpPr>
-      <p:grpSpPr>
-        <a:xfrm>
-          <a:off x="0" y="0"/>
-          <a:ext cx="0" cy="0"/>
-          <a:chOff x="0" y="0"/>
-          <a:chExt cx="0" cy="0"/>
-        </a:xfrm>
-      </p:grpSpPr>
-      <p:sp>
-        <p:nvSpPr>
-          <p:cNvPr id="2" name="Title 1">
-            <a:extLst>
-              <a:ext uri="{FF2B5EF4-FFF2-40B4-BE49-F238E27FC236}">
-                <a16:creationId xmlns:a16="http://schemas.microsoft.com/office/drawing/2014/main" id="{B53178A6-F266-C1FE-46C6-50FBFF528DD8}"/>
-              </a:ext>
-            </a:extLst>
-          </p:cNvPr>
-          <p:cNvSpPr>
-            <a:spLocks noGrp="1"/>
-          </p:cNvSpPr>
-          <p:nvPr>
-            <p:ph type="title"/>
-          </p:nvPr>
-        </p:nvSpPr>
-        <p:spPr/>
-        <p:txBody>
-          <a:bodyPr/>
-          <a:lstStyle/>
-          <a:p>
-            <a:r>
-              <a:rPr lang="en-US" dirty="0"/>
-              <a:t>What appears on the screen (frontend)?</a:t>
-            </a:r>
-          </a:p>
-        </p:txBody>
-      </p:sp>
-      <p:pic>
-        <p:nvPicPr>
-          <p:cNvPr id="5" name="Picture 4" descr="A diagram of a model&#10;&#10;Description automatically generated">
-            <a:extLst>
-              <a:ext uri="{FF2B5EF4-FFF2-40B4-BE49-F238E27FC236}">
-                <a16:creationId xmlns:a16="http://schemas.microsoft.com/office/drawing/2014/main" id="{B1F660E9-BE07-EE2A-52C7-B5917FB7A86C}"/>
-              </a:ext>
-            </a:extLst>
-          </p:cNvPr>
-          <p:cNvPicPr>
-            <a:picLocks noChangeAspect="1"/>
-          </p:cNvPicPr>
-          <p:nvPr/>
-        </p:nvPicPr>
-        <p:blipFill>
-          <a:blip r:embed="rId2">
-            <a:extLst>
-              <a:ext uri="{28A0092B-C50C-407E-A947-70E740481C1C}">
-                <a14:useLocalDpi xmlns:a14="http://schemas.microsoft.com/office/drawing/2010/main" val="0"/>
-              </a:ext>
-            </a:extLst>
-          </a:blip>
-          <a:stretch>
-            <a:fillRect/>
-          </a:stretch>
-        </p:blipFill>
-        <p:spPr>
-          <a:xfrm>
-            <a:off x="2137139" y="2233424"/>
-            <a:ext cx="7917722" cy="2391152"/>
-          </a:xfrm>
-          <a:prstGeom prst="rect">
-            <a:avLst/>
-          </a:prstGeom>
-        </p:spPr>
-      </p:pic>
-      <p:sp>
-        <p:nvSpPr>
-          <p:cNvPr id="6" name="TextBox 5">
-            <a:extLst>
-              <a:ext uri="{FF2B5EF4-FFF2-40B4-BE49-F238E27FC236}">
-                <a16:creationId xmlns:a16="http://schemas.microsoft.com/office/drawing/2014/main" id="{2FBB855D-3D98-9E5C-2A0D-2B274628B05F}"/>
-              </a:ext>
-            </a:extLst>
-          </p:cNvPr>
-          <p:cNvSpPr txBox="1"/>
-          <p:nvPr/>
-        </p:nvSpPr>
-        <p:spPr>
-          <a:xfrm>
-            <a:off x="4825500" y="5169529"/>
-            <a:ext cx="2480650" cy="369332"/>
-          </a:xfrm>
-          <a:prstGeom prst="rect">
-            <a:avLst/>
-          </a:prstGeom>
-          <a:noFill/>
-        </p:spPr>
-        <p:txBody>
-          <a:bodyPr wrap="square" rtlCol="0">
-            <a:spAutoFit/>
-          </a:bodyPr>
-          <a:lstStyle/>
-          <a:p>
-            <a:r>
-              <a:rPr lang="en-US" dirty="0"/>
-              <a:t>Model View </a:t>
-            </a:r>
-            <a:r>
-              <a:rPr lang="en-US" dirty="0" err="1"/>
-              <a:t>ViewModel</a:t>
-            </a:r>
-            <a:endParaRPr lang="en-US" dirty="0"/>
-          </a:p>
-        </p:txBody>
-      </p:sp>
-    </p:spTree>
-    <p:extLst>
-      <p:ext uri="{BB962C8B-B14F-4D97-AF65-F5344CB8AC3E}">
-        <p14:creationId xmlns:p14="http://schemas.microsoft.com/office/powerpoint/2010/main" val="911417292"/>
-      </p:ext>
-    </p:extLst>
-  </p:cSld>
-  <p:clrMapOvr>
-    <a:masterClrMapping/>
-  </p:clrMapOvr>
-</p:sld>
-</file>
-
-<file path=ppt/slides/slide6.xml><?xml version="1.0" encoding="utf-8"?>
-<p:sld xmlns:a="http://schemas.openxmlformats.org/drawingml/2006/main" xmlns:r="http://schemas.openxmlformats.org/officeDocument/2006/relationships" xmlns:p="http://schemas.openxmlformats.org/presentationml/2006/main">
-  <p:cSld>
-    <p:spTree>
-      <p:nvGrpSpPr>
-        <p:cNvPr id="1" name=""/>
-        <p:cNvGrpSpPr/>
-        <p:nvPr/>
-      </p:nvGrpSpPr>
-      <p:grpSpPr>
-        <a:xfrm>
-          <a:off x="0" y="0"/>
-          <a:ext cx="0" cy="0"/>
-          <a:chOff x="0" y="0"/>
-          <a:chExt cx="0" cy="0"/>
-        </a:xfrm>
-      </p:grpSpPr>
-      <p:sp>
-        <p:nvSpPr>
-          <p:cNvPr id="2" name="Title 1">
-            <a:extLst>
-              <a:ext uri="{FF2B5EF4-FFF2-40B4-BE49-F238E27FC236}">
-                <a16:creationId xmlns:a16="http://schemas.microsoft.com/office/drawing/2014/main" id="{10C7C673-D204-4871-155A-61FB446DF2E6}"/>
-              </a:ext>
-            </a:extLst>
-          </p:cNvPr>
-          <p:cNvSpPr>
-            <a:spLocks noGrp="1"/>
-          </p:cNvSpPr>
-          <p:nvPr>
-            <p:ph type="title"/>
-          </p:nvPr>
-        </p:nvSpPr>
-        <p:spPr>
-          <a:xfrm>
-            <a:off x="304046" y="111628"/>
-            <a:ext cx="10515600" cy="1325563"/>
-          </a:xfrm>
-        </p:spPr>
-        <p:txBody>
-          <a:bodyPr>
-            <a:normAutofit/>
-          </a:bodyPr>
-          <a:lstStyle/>
-          <a:p>
-            <a:r>
-              <a:rPr lang="en-US" sz="3600" dirty="0"/>
-              <a:t>What’s going under the hood (backend architecture)?</a:t>
-            </a:r>
-          </a:p>
-        </p:txBody>
-      </p:sp>
-      <p:pic>
-        <p:nvPicPr>
-          <p:cNvPr id="5" name="Picture 4">
-            <a:extLst>
-              <a:ext uri="{FF2B5EF4-FFF2-40B4-BE49-F238E27FC236}">
-                <a16:creationId xmlns:a16="http://schemas.microsoft.com/office/drawing/2014/main" id="{FCF2E5C4-6D1A-9232-54A8-5FDB0CF8C788}"/>
-              </a:ext>
-            </a:extLst>
-          </p:cNvPr>
-          <p:cNvPicPr>
-            <a:picLocks noChangeAspect="1"/>
-          </p:cNvPicPr>
-          <p:nvPr/>
-        </p:nvPicPr>
-        <p:blipFill>
-          <a:blip r:embed="rId2"/>
-          <a:srcRect t="11023"/>
-          <a:stretch/>
-        </p:blipFill>
-        <p:spPr>
-          <a:xfrm>
-            <a:off x="2367859" y="1283282"/>
-            <a:ext cx="7239000" cy="4500279"/>
-          </a:xfrm>
-          <a:prstGeom prst="rect">
-            <a:avLst/>
-          </a:prstGeom>
-        </p:spPr>
-      </p:pic>
-      <p:sp>
-        <p:nvSpPr>
-          <p:cNvPr id="6" name="TextBox 5">
-            <a:extLst>
-              <a:ext uri="{FF2B5EF4-FFF2-40B4-BE49-F238E27FC236}">
-                <a16:creationId xmlns:a16="http://schemas.microsoft.com/office/drawing/2014/main" id="{896B9A52-41CB-9BAA-AF1F-AC51D34FB060}"/>
-              </a:ext>
-            </a:extLst>
-          </p:cNvPr>
-          <p:cNvSpPr txBox="1"/>
-          <p:nvPr/>
-        </p:nvSpPr>
-        <p:spPr>
-          <a:xfrm>
-            <a:off x="4891889" y="5860992"/>
-            <a:ext cx="2749236" cy="369332"/>
-          </a:xfrm>
-          <a:prstGeom prst="rect">
-            <a:avLst/>
-          </a:prstGeom>
-          <a:noFill/>
-        </p:spPr>
-        <p:txBody>
-          <a:bodyPr wrap="square" rtlCol="0">
-            <a:spAutoFit/>
-          </a:bodyPr>
-          <a:lstStyle/>
-          <a:p>
-            <a:r>
-              <a:rPr lang="en-US" b="1" dirty="0"/>
-              <a:t>Monolithic Architecture </a:t>
-            </a:r>
-            <a:endParaRPr lang="en-US" dirty="0"/>
-          </a:p>
-        </p:txBody>
-      </p:sp>
-    </p:spTree>
-    <p:extLst>
-      <p:ext uri="{BB962C8B-B14F-4D97-AF65-F5344CB8AC3E}">
-        <p14:creationId xmlns:p14="http://schemas.microsoft.com/office/powerpoint/2010/main" val="2720169988"/>
-      </p:ext>
-    </p:extLst>
-  </p:cSld>
-  <p:clrMapOvr>
-    <a:masterClrMapping/>
-  </p:clrMapOvr>
-</p:sld>
-</file>
-
-<file path=ppt/slides/slide7.xml><?xml version="1.0" encoding="utf-8"?>
-<p:sld xmlns:a="http://schemas.openxmlformats.org/drawingml/2006/main" xmlns:r="http://schemas.openxmlformats.org/officeDocument/2006/relationships" xmlns:p="http://schemas.openxmlformats.org/presentationml/2006/main">
-  <p:cSld>
-    <p:spTree>
-      <p:nvGrpSpPr>
-        <p:cNvPr id="1" name=""/>
-        <p:cNvGrpSpPr/>
-        <p:nvPr/>
-      </p:nvGrpSpPr>
-      <p:grpSpPr>
-        <a:xfrm>
-          <a:off x="0" y="0"/>
-          <a:ext cx="0" cy="0"/>
-          <a:chOff x="0" y="0"/>
-          <a:chExt cx="0" cy="0"/>
-        </a:xfrm>
-      </p:grpSpPr>
-      <p:pic>
-        <p:nvPicPr>
-          <p:cNvPr id="5" name="Picture 4" descr="A diagram of a software model&#10;&#10;Description automatically generated">
-            <a:extLst>
-              <a:ext uri="{FF2B5EF4-FFF2-40B4-BE49-F238E27FC236}">
-                <a16:creationId xmlns:a16="http://schemas.microsoft.com/office/drawing/2014/main" id="{F046FB75-06A3-E6D7-E38E-965155FE9DBD}"/>
-              </a:ext>
-            </a:extLst>
-          </p:cNvPr>
-          <p:cNvPicPr>
-            <a:picLocks noChangeAspect="1"/>
-          </p:cNvPicPr>
-          <p:nvPr/>
-        </p:nvPicPr>
-        <p:blipFill>
-          <a:blip r:embed="rId2">
-            <a:extLst>
-              <a:ext uri="{28A0092B-C50C-407E-A947-70E740481C1C}">
-                <a14:useLocalDpi xmlns:a14="http://schemas.microsoft.com/office/drawing/2010/main" val="0"/>
-              </a:ext>
-            </a:extLst>
-          </a:blip>
-          <a:stretch>
-            <a:fillRect/>
-          </a:stretch>
-        </p:blipFill>
-        <p:spPr>
-          <a:xfrm>
-            <a:off x="3585543" y="625982"/>
-            <a:ext cx="5020913" cy="6232018"/>
-          </a:xfrm>
-          <a:prstGeom prst="rect">
-            <a:avLst/>
-          </a:prstGeom>
-        </p:spPr>
-      </p:pic>
-      <p:sp>
-        <p:nvSpPr>
-          <p:cNvPr id="2" name="Title 1">
-            <a:extLst>
-              <a:ext uri="{FF2B5EF4-FFF2-40B4-BE49-F238E27FC236}">
-                <a16:creationId xmlns:a16="http://schemas.microsoft.com/office/drawing/2014/main" id="{58BBC0ED-D8A2-6587-1314-177672BFD46A}"/>
-              </a:ext>
-            </a:extLst>
-          </p:cNvPr>
-          <p:cNvSpPr>
-            <a:spLocks noGrp="1"/>
-          </p:cNvSpPr>
-          <p:nvPr>
-            <p:ph type="title"/>
-          </p:nvPr>
-        </p:nvSpPr>
-        <p:spPr/>
-        <p:txBody>
-          <a:bodyPr/>
-          <a:lstStyle/>
-          <a:p>
-            <a:r>
-              <a:rPr lang="en-US" dirty="0"/>
-              <a:t>Methodology</a:t>
-            </a:r>
-          </a:p>
-        </p:txBody>
-      </p:sp>
-    </p:spTree>
-    <p:extLst>
-      <p:ext uri="{BB962C8B-B14F-4D97-AF65-F5344CB8AC3E}">
-        <p14:creationId xmlns:p14="http://schemas.microsoft.com/office/powerpoint/2010/main" val="2880163999"/>
-      </p:ext>
-    </p:extLst>
-  </p:cSld>
-  <p:clrMapOvr>
-    <a:masterClrMapping/>
-  </p:clrMapOvr>
-</p:sld>
-</file>
-
-<file path=ppt/slides/slide8.xml><?xml version="1.0" encoding="utf-8"?>
 <p:sld xmlns:a="http://schemas.openxmlformats.org/drawingml/2006/main" xmlns:r="http://schemas.openxmlformats.org/officeDocument/2006/relationships" xmlns:p="http://schemas.openxmlformats.org/presentationml/2006/main">
   <p:cSld>
     <p:spTree>
@@ -5237,6 +4740,711 @@
     <p:extLst>
       <p:ext uri="{BB962C8B-B14F-4D97-AF65-F5344CB8AC3E}">
         <p14:creationId xmlns:p14="http://schemas.microsoft.com/office/powerpoint/2010/main" val="2757181572"/>
+      </p:ext>
+    </p:extLst>
+  </p:cSld>
+  <p:clrMapOvr>
+    <a:masterClrMapping/>
+  </p:clrMapOvr>
+</p:sld>
+</file>
+
+<file path=ppt/slides/slide5.xml><?xml version="1.0" encoding="utf-8"?>
+<p:sld xmlns:a="http://schemas.openxmlformats.org/drawingml/2006/main" xmlns:r="http://schemas.openxmlformats.org/officeDocument/2006/relationships" xmlns:p="http://schemas.openxmlformats.org/presentationml/2006/main">
+  <p:cSld>
+    <p:spTree>
+      <p:nvGrpSpPr>
+        <p:cNvPr id="1" name=""/>
+        <p:cNvGrpSpPr/>
+        <p:nvPr/>
+      </p:nvGrpSpPr>
+      <p:grpSpPr>
+        <a:xfrm>
+          <a:off x="0" y="0"/>
+          <a:ext cx="0" cy="0"/>
+          <a:chOff x="0" y="0"/>
+          <a:chExt cx="0" cy="0"/>
+        </a:xfrm>
+      </p:grpSpPr>
+      <p:sp>
+        <p:nvSpPr>
+          <p:cNvPr id="2" name="Title 1">
+            <a:extLst>
+              <a:ext uri="{FF2B5EF4-FFF2-40B4-BE49-F238E27FC236}">
+                <a16:creationId xmlns:a16="http://schemas.microsoft.com/office/drawing/2014/main" id="{D794A590-02E8-FCA9-C4A2-56CE1702421D}"/>
+              </a:ext>
+            </a:extLst>
+          </p:cNvPr>
+          <p:cNvSpPr>
+            <a:spLocks noGrp="1"/>
+          </p:cNvSpPr>
+          <p:nvPr>
+            <p:ph type="title"/>
+          </p:nvPr>
+        </p:nvSpPr>
+        <p:spPr/>
+        <p:txBody>
+          <a:bodyPr/>
+          <a:lstStyle/>
+          <a:p>
+            <a:r>
+              <a:rPr lang="en-US" dirty="0"/>
+              <a:t>What the project entails?</a:t>
+            </a:r>
+          </a:p>
+        </p:txBody>
+      </p:sp>
+      <p:pic>
+        <p:nvPicPr>
+          <p:cNvPr id="7" name="Picture 6" descr="A colorful logo with a blue and orange stripe&#10;&#10;Description automatically generated">
+            <a:extLst>
+              <a:ext uri="{FF2B5EF4-FFF2-40B4-BE49-F238E27FC236}">
+                <a16:creationId xmlns:a16="http://schemas.microsoft.com/office/drawing/2014/main" id="{2D98B5F4-3D04-BE77-8539-2CFD0AE8BB17}"/>
+              </a:ext>
+            </a:extLst>
+          </p:cNvPr>
+          <p:cNvPicPr>
+            <a:picLocks noChangeAspect="1"/>
+          </p:cNvPicPr>
+          <p:nvPr/>
+        </p:nvPicPr>
+        <p:blipFill>
+          <a:blip r:embed="rId2">
+            <a:extLst>
+              <a:ext uri="{28A0092B-C50C-407E-A947-70E740481C1C}">
+                <a14:useLocalDpi xmlns:a14="http://schemas.microsoft.com/office/drawing/2010/main" val="0"/>
+              </a:ext>
+            </a:extLst>
+          </a:blip>
+          <a:stretch>
+            <a:fillRect/>
+          </a:stretch>
+        </p:blipFill>
+        <p:spPr>
+          <a:xfrm>
+            <a:off x="1586594" y="2112450"/>
+            <a:ext cx="2381250" cy="2381250"/>
+          </a:xfrm>
+          <a:prstGeom prst="rect">
+            <a:avLst/>
+          </a:prstGeom>
+        </p:spPr>
+      </p:pic>
+      <p:pic>
+        <p:nvPicPr>
+          <p:cNvPr id="13" name="Graphic 12">
+            <a:extLst>
+              <a:ext uri="{FF2B5EF4-FFF2-40B4-BE49-F238E27FC236}">
+                <a16:creationId xmlns:a16="http://schemas.microsoft.com/office/drawing/2014/main" id="{76FB12FA-B11B-1F4B-DCCF-728F37C78570}"/>
+              </a:ext>
+            </a:extLst>
+          </p:cNvPr>
+          <p:cNvPicPr>
+            <a:picLocks noChangeAspect="1"/>
+          </p:cNvPicPr>
+          <p:nvPr/>
+        </p:nvPicPr>
+        <p:blipFill>
+          <a:blip r:embed="rId3">
+            <a:extLst>
+              <a:ext uri="{96DAC541-7B7A-43D3-8B79-37D633B846F1}">
+                <asvg:svgBlip xmlns:asvg="http://schemas.microsoft.com/office/drawing/2016/SVG/main" r:embed="rId4"/>
+              </a:ext>
+            </a:extLst>
+          </a:blip>
+          <a:stretch>
+            <a:fillRect/>
+          </a:stretch>
+        </p:blipFill>
+        <p:spPr>
+          <a:xfrm rot="21265463">
+            <a:off x="1482513" y="3238582"/>
+            <a:ext cx="1233488" cy="1320218"/>
+          </a:xfrm>
+          <a:prstGeom prst="rect">
+            <a:avLst/>
+          </a:prstGeom>
+        </p:spPr>
+      </p:pic>
+      <p:sp>
+        <p:nvSpPr>
+          <p:cNvPr id="14" name="TextBox 13">
+            <a:extLst>
+              <a:ext uri="{FF2B5EF4-FFF2-40B4-BE49-F238E27FC236}">
+                <a16:creationId xmlns:a16="http://schemas.microsoft.com/office/drawing/2014/main" id="{E3316039-28F6-F9E5-5D78-22F040AA327D}"/>
+              </a:ext>
+            </a:extLst>
+          </p:cNvPr>
+          <p:cNvSpPr txBox="1"/>
+          <p:nvPr/>
+        </p:nvSpPr>
+        <p:spPr>
+          <a:xfrm>
+            <a:off x="986827" y="4961299"/>
+            <a:ext cx="3295462" cy="646331"/>
+          </a:xfrm>
+          <a:prstGeom prst="rect">
+            <a:avLst/>
+          </a:prstGeom>
+          <a:noFill/>
+        </p:spPr>
+        <p:txBody>
+          <a:bodyPr wrap="square" rtlCol="0">
+            <a:spAutoFit/>
+          </a:bodyPr>
+          <a:lstStyle/>
+          <a:p>
+            <a:pPr algn="ctr"/>
+            <a:r>
+              <a:rPr lang="en-US" dirty="0"/>
+              <a:t>A mobile app, developed using Kotlin, for student and teacher.</a:t>
+            </a:r>
+          </a:p>
+        </p:txBody>
+      </p:sp>
+      <p:pic>
+        <p:nvPicPr>
+          <p:cNvPr id="16" name="Graphic 15">
+            <a:extLst>
+              <a:ext uri="{FF2B5EF4-FFF2-40B4-BE49-F238E27FC236}">
+                <a16:creationId xmlns:a16="http://schemas.microsoft.com/office/drawing/2014/main" id="{2ED7BCD2-906D-6455-849C-7922FA696E0D}"/>
+              </a:ext>
+            </a:extLst>
+          </p:cNvPr>
+          <p:cNvPicPr>
+            <a:picLocks noChangeAspect="1"/>
+          </p:cNvPicPr>
+          <p:nvPr/>
+        </p:nvPicPr>
+        <p:blipFill>
+          <a:blip r:embed="rId5">
+            <a:extLst>
+              <a:ext uri="{96DAC541-7B7A-43D3-8B79-37D633B846F1}">
+                <asvg:svgBlip xmlns:asvg="http://schemas.microsoft.com/office/drawing/2016/SVG/main" r:embed="rId6"/>
+              </a:ext>
+            </a:extLst>
+          </a:blip>
+          <a:stretch>
+            <a:fillRect/>
+          </a:stretch>
+        </p:blipFill>
+        <p:spPr>
+          <a:xfrm>
+            <a:off x="5223093" y="2538012"/>
+            <a:ext cx="2000816" cy="1781976"/>
+          </a:xfrm>
+          <a:prstGeom prst="rect">
+            <a:avLst/>
+          </a:prstGeom>
+        </p:spPr>
+      </p:pic>
+      <p:sp>
+        <p:nvSpPr>
+          <p:cNvPr id="17" name="TextBox 16">
+            <a:extLst>
+              <a:ext uri="{FF2B5EF4-FFF2-40B4-BE49-F238E27FC236}">
+                <a16:creationId xmlns:a16="http://schemas.microsoft.com/office/drawing/2014/main" id="{7FC8EC37-3F48-1123-3FC5-26F22B2DE161}"/>
+              </a:ext>
+            </a:extLst>
+          </p:cNvPr>
+          <p:cNvSpPr txBox="1"/>
+          <p:nvPr/>
+        </p:nvSpPr>
+        <p:spPr>
+          <a:xfrm>
+            <a:off x="4561437" y="4961299"/>
+            <a:ext cx="3069125" cy="646331"/>
+          </a:xfrm>
+          <a:prstGeom prst="rect">
+            <a:avLst/>
+          </a:prstGeom>
+          <a:noFill/>
+        </p:spPr>
+        <p:txBody>
+          <a:bodyPr wrap="square" rtlCol="0">
+            <a:spAutoFit/>
+          </a:bodyPr>
+          <a:lstStyle/>
+          <a:p>
+            <a:pPr algn="ctr"/>
+            <a:r>
+              <a:rPr lang="en-US" dirty="0"/>
+              <a:t>A web app, developed using React, for administrator</a:t>
+            </a:r>
+          </a:p>
+        </p:txBody>
+      </p:sp>
+      <p:pic>
+        <p:nvPicPr>
+          <p:cNvPr id="21" name="Graphic 20">
+            <a:extLst>
+              <a:ext uri="{FF2B5EF4-FFF2-40B4-BE49-F238E27FC236}">
+                <a16:creationId xmlns:a16="http://schemas.microsoft.com/office/drawing/2014/main" id="{1786C092-DDBC-2410-D9A6-215558AD1643}"/>
+              </a:ext>
+            </a:extLst>
+          </p:cNvPr>
+          <p:cNvPicPr>
+            <a:picLocks noChangeAspect="1"/>
+          </p:cNvPicPr>
+          <p:nvPr/>
+        </p:nvPicPr>
+        <p:blipFill>
+          <a:blip r:embed="rId7">
+            <a:extLst>
+              <a:ext uri="{96DAC541-7B7A-43D3-8B79-37D633B846F1}">
+                <asvg:svgBlip xmlns:asvg="http://schemas.microsoft.com/office/drawing/2016/SVG/main" r:embed="rId8"/>
+              </a:ext>
+            </a:extLst>
+          </a:blip>
+          <a:stretch>
+            <a:fillRect/>
+          </a:stretch>
+        </p:blipFill>
+        <p:spPr>
+          <a:xfrm rot="19885040">
+            <a:off x="8790564" y="2691013"/>
+            <a:ext cx="1489167" cy="1681130"/>
+          </a:xfrm>
+          <a:prstGeom prst="rect">
+            <a:avLst/>
+          </a:prstGeom>
+        </p:spPr>
+      </p:pic>
+      <p:pic>
+        <p:nvPicPr>
+          <p:cNvPr id="23" name="Graphic 22">
+            <a:extLst>
+              <a:ext uri="{FF2B5EF4-FFF2-40B4-BE49-F238E27FC236}">
+                <a16:creationId xmlns:a16="http://schemas.microsoft.com/office/drawing/2014/main" id="{93874765-10C8-2124-4994-3F196030D480}"/>
+              </a:ext>
+            </a:extLst>
+          </p:cNvPr>
+          <p:cNvPicPr>
+            <a:picLocks noChangeAspect="1"/>
+          </p:cNvPicPr>
+          <p:nvPr/>
+        </p:nvPicPr>
+        <p:blipFill>
+          <a:blip r:embed="rId9">
+            <a:extLst>
+              <a:ext uri="{96DAC541-7B7A-43D3-8B79-37D633B846F1}">
+                <asvg:svgBlip xmlns:asvg="http://schemas.microsoft.com/office/drawing/2016/SVG/main" r:embed="rId10"/>
+              </a:ext>
+            </a:extLst>
+          </a:blip>
+          <a:stretch>
+            <a:fillRect/>
+          </a:stretch>
+        </p:blipFill>
+        <p:spPr>
+          <a:xfrm rot="1413129">
+            <a:off x="9353096" y="2397367"/>
+            <a:ext cx="2022388" cy="2860380"/>
+          </a:xfrm>
+          <a:prstGeom prst="rect">
+            <a:avLst/>
+          </a:prstGeom>
+        </p:spPr>
+      </p:pic>
+      <p:sp>
+        <p:nvSpPr>
+          <p:cNvPr id="24" name="TextBox 23">
+            <a:extLst>
+              <a:ext uri="{FF2B5EF4-FFF2-40B4-BE49-F238E27FC236}">
+                <a16:creationId xmlns:a16="http://schemas.microsoft.com/office/drawing/2014/main" id="{5BF890B4-07AA-DE64-2BBC-2A635A067E20}"/>
+              </a:ext>
+            </a:extLst>
+          </p:cNvPr>
+          <p:cNvSpPr txBox="1"/>
+          <p:nvPr/>
+        </p:nvSpPr>
+        <p:spPr>
+          <a:xfrm>
+            <a:off x="8017254" y="4947353"/>
+            <a:ext cx="3069125" cy="923330"/>
+          </a:xfrm>
+          <a:prstGeom prst="rect">
+            <a:avLst/>
+          </a:prstGeom>
+          <a:noFill/>
+        </p:spPr>
+        <p:txBody>
+          <a:bodyPr wrap="square" rtlCol="0">
+            <a:spAutoFit/>
+          </a:bodyPr>
+          <a:lstStyle/>
+          <a:p>
+            <a:pPr algn="ctr"/>
+            <a:r>
+              <a:rPr lang="en-US" dirty="0"/>
+              <a:t>Backend using Node.js and Express.js, with MongoDB as database.</a:t>
+            </a:r>
+          </a:p>
+        </p:txBody>
+      </p:sp>
+    </p:spTree>
+    <p:extLst>
+      <p:ext uri="{BB962C8B-B14F-4D97-AF65-F5344CB8AC3E}">
+        <p14:creationId xmlns:p14="http://schemas.microsoft.com/office/powerpoint/2010/main" val="2976502449"/>
+      </p:ext>
+    </p:extLst>
+  </p:cSld>
+  <p:clrMapOvr>
+    <a:masterClrMapping/>
+  </p:clrMapOvr>
+</p:sld>
+</file>
+
+<file path=ppt/slides/slide6.xml><?xml version="1.0" encoding="utf-8"?>
+<p:sld xmlns:a="http://schemas.openxmlformats.org/drawingml/2006/main" xmlns:r="http://schemas.openxmlformats.org/officeDocument/2006/relationships" xmlns:p="http://schemas.openxmlformats.org/presentationml/2006/main">
+  <p:cSld>
+    <p:spTree>
+      <p:nvGrpSpPr>
+        <p:cNvPr id="1" name=""/>
+        <p:cNvGrpSpPr/>
+        <p:nvPr/>
+      </p:nvGrpSpPr>
+      <p:grpSpPr>
+        <a:xfrm>
+          <a:off x="0" y="0"/>
+          <a:ext cx="0" cy="0"/>
+          <a:chOff x="0" y="0"/>
+          <a:chExt cx="0" cy="0"/>
+        </a:xfrm>
+      </p:grpSpPr>
+      <p:sp>
+        <p:nvSpPr>
+          <p:cNvPr id="2" name="Title 1">
+            <a:extLst>
+              <a:ext uri="{FF2B5EF4-FFF2-40B4-BE49-F238E27FC236}">
+                <a16:creationId xmlns:a16="http://schemas.microsoft.com/office/drawing/2014/main" id="{B53178A6-F266-C1FE-46C6-50FBFF528DD8}"/>
+              </a:ext>
+            </a:extLst>
+          </p:cNvPr>
+          <p:cNvSpPr>
+            <a:spLocks noGrp="1"/>
+          </p:cNvSpPr>
+          <p:nvPr>
+            <p:ph type="title"/>
+          </p:nvPr>
+        </p:nvSpPr>
+        <p:spPr/>
+        <p:txBody>
+          <a:bodyPr/>
+          <a:lstStyle/>
+          <a:p>
+            <a:r>
+              <a:rPr lang="en-US" dirty="0"/>
+              <a:t>What appears on the screen (frontend)?</a:t>
+            </a:r>
+          </a:p>
+        </p:txBody>
+      </p:sp>
+      <p:pic>
+        <p:nvPicPr>
+          <p:cNvPr id="5" name="Picture 4" descr="A diagram of a model&#10;&#10;Description automatically generated">
+            <a:extLst>
+              <a:ext uri="{FF2B5EF4-FFF2-40B4-BE49-F238E27FC236}">
+                <a16:creationId xmlns:a16="http://schemas.microsoft.com/office/drawing/2014/main" id="{B1F660E9-BE07-EE2A-52C7-B5917FB7A86C}"/>
+              </a:ext>
+            </a:extLst>
+          </p:cNvPr>
+          <p:cNvPicPr>
+            <a:picLocks noChangeAspect="1"/>
+          </p:cNvPicPr>
+          <p:nvPr/>
+        </p:nvPicPr>
+        <p:blipFill>
+          <a:blip r:embed="rId2">
+            <a:extLst>
+              <a:ext uri="{28A0092B-C50C-407E-A947-70E740481C1C}">
+                <a14:useLocalDpi xmlns:a14="http://schemas.microsoft.com/office/drawing/2010/main" val="0"/>
+              </a:ext>
+            </a:extLst>
+          </a:blip>
+          <a:stretch>
+            <a:fillRect/>
+          </a:stretch>
+        </p:blipFill>
+        <p:spPr>
+          <a:xfrm>
+            <a:off x="2137139" y="2233424"/>
+            <a:ext cx="7917722" cy="2391152"/>
+          </a:xfrm>
+          <a:prstGeom prst="rect">
+            <a:avLst/>
+          </a:prstGeom>
+        </p:spPr>
+      </p:pic>
+      <p:sp>
+        <p:nvSpPr>
+          <p:cNvPr id="6" name="TextBox 5">
+            <a:extLst>
+              <a:ext uri="{FF2B5EF4-FFF2-40B4-BE49-F238E27FC236}">
+                <a16:creationId xmlns:a16="http://schemas.microsoft.com/office/drawing/2014/main" id="{2FBB855D-3D98-9E5C-2A0D-2B274628B05F}"/>
+              </a:ext>
+            </a:extLst>
+          </p:cNvPr>
+          <p:cNvSpPr txBox="1"/>
+          <p:nvPr/>
+        </p:nvSpPr>
+        <p:spPr>
+          <a:xfrm>
+            <a:off x="4825500" y="5169529"/>
+            <a:ext cx="2480650" cy="369332"/>
+          </a:xfrm>
+          <a:prstGeom prst="rect">
+            <a:avLst/>
+          </a:prstGeom>
+          <a:noFill/>
+        </p:spPr>
+        <p:txBody>
+          <a:bodyPr wrap="square" rtlCol="0">
+            <a:spAutoFit/>
+          </a:bodyPr>
+          <a:lstStyle/>
+          <a:p>
+            <a:r>
+              <a:rPr lang="en-US" dirty="0"/>
+              <a:t>Model View </a:t>
+            </a:r>
+            <a:r>
+              <a:rPr lang="en-US" dirty="0" err="1"/>
+              <a:t>ViewModel</a:t>
+            </a:r>
+            <a:endParaRPr lang="en-US" dirty="0"/>
+          </a:p>
+        </p:txBody>
+      </p:sp>
+    </p:spTree>
+    <p:extLst>
+      <p:ext uri="{BB962C8B-B14F-4D97-AF65-F5344CB8AC3E}">
+        <p14:creationId xmlns:p14="http://schemas.microsoft.com/office/powerpoint/2010/main" val="911417292"/>
+      </p:ext>
+    </p:extLst>
+  </p:cSld>
+  <p:clrMapOvr>
+    <a:masterClrMapping/>
+  </p:clrMapOvr>
+</p:sld>
+</file>
+
+<file path=ppt/slides/slide7.xml><?xml version="1.0" encoding="utf-8"?>
+<p:sld xmlns:a="http://schemas.openxmlformats.org/drawingml/2006/main" xmlns:r="http://schemas.openxmlformats.org/officeDocument/2006/relationships" xmlns:p="http://schemas.openxmlformats.org/presentationml/2006/main">
+  <p:cSld>
+    <p:spTree>
+      <p:nvGrpSpPr>
+        <p:cNvPr id="1" name=""/>
+        <p:cNvGrpSpPr/>
+        <p:nvPr/>
+      </p:nvGrpSpPr>
+      <p:grpSpPr>
+        <a:xfrm>
+          <a:off x="0" y="0"/>
+          <a:ext cx="0" cy="0"/>
+          <a:chOff x="0" y="0"/>
+          <a:chExt cx="0" cy="0"/>
+        </a:xfrm>
+      </p:grpSpPr>
+      <p:sp>
+        <p:nvSpPr>
+          <p:cNvPr id="2" name="Title 1">
+            <a:extLst>
+              <a:ext uri="{FF2B5EF4-FFF2-40B4-BE49-F238E27FC236}">
+                <a16:creationId xmlns:a16="http://schemas.microsoft.com/office/drawing/2014/main" id="{10C7C673-D204-4871-155A-61FB446DF2E6}"/>
+              </a:ext>
+            </a:extLst>
+          </p:cNvPr>
+          <p:cNvSpPr>
+            <a:spLocks noGrp="1"/>
+          </p:cNvSpPr>
+          <p:nvPr>
+            <p:ph type="title"/>
+          </p:nvPr>
+        </p:nvSpPr>
+        <p:spPr>
+          <a:xfrm>
+            <a:off x="304046" y="111628"/>
+            <a:ext cx="10515600" cy="1325563"/>
+          </a:xfrm>
+        </p:spPr>
+        <p:txBody>
+          <a:bodyPr>
+            <a:normAutofit/>
+          </a:bodyPr>
+          <a:lstStyle/>
+          <a:p>
+            <a:r>
+              <a:rPr lang="en-US" sz="3600" dirty="0"/>
+              <a:t>What’s going under the hood (backend architecture)?</a:t>
+            </a:r>
+          </a:p>
+        </p:txBody>
+      </p:sp>
+      <p:sp>
+        <p:nvSpPr>
+          <p:cNvPr id="6" name="TextBox 5">
+            <a:extLst>
+              <a:ext uri="{FF2B5EF4-FFF2-40B4-BE49-F238E27FC236}">
+                <a16:creationId xmlns:a16="http://schemas.microsoft.com/office/drawing/2014/main" id="{896B9A52-41CB-9BAA-AF1F-AC51D34FB060}"/>
+              </a:ext>
+            </a:extLst>
+          </p:cNvPr>
+          <p:cNvSpPr txBox="1"/>
+          <p:nvPr/>
+        </p:nvSpPr>
+        <p:spPr>
+          <a:xfrm>
+            <a:off x="4891889" y="5860992"/>
+            <a:ext cx="2749236" cy="369332"/>
+          </a:xfrm>
+          <a:prstGeom prst="rect">
+            <a:avLst/>
+          </a:prstGeom>
+          <a:noFill/>
+        </p:spPr>
+        <p:txBody>
+          <a:bodyPr wrap="square" rtlCol="0">
+            <a:spAutoFit/>
+          </a:bodyPr>
+          <a:lstStyle/>
+          <a:p>
+            <a:r>
+              <a:rPr lang="en-US" b="1" dirty="0"/>
+              <a:t>Monolithic Architecture </a:t>
+            </a:r>
+            <a:endParaRPr lang="en-US" dirty="0"/>
+          </a:p>
+        </p:txBody>
+      </p:sp>
+      <p:pic>
+        <p:nvPicPr>
+          <p:cNvPr id="4" name="Picture 3">
+            <a:extLst>
+              <a:ext uri="{FF2B5EF4-FFF2-40B4-BE49-F238E27FC236}">
+                <a16:creationId xmlns:a16="http://schemas.microsoft.com/office/drawing/2014/main" id="{68147498-EABB-7FEB-87EC-A650C75D106F}"/>
+              </a:ext>
+            </a:extLst>
+          </p:cNvPr>
+          <p:cNvPicPr>
+            <a:picLocks noChangeAspect="1"/>
+          </p:cNvPicPr>
+          <p:nvPr/>
+        </p:nvPicPr>
+        <p:blipFill>
+          <a:blip r:embed="rId2"/>
+          <a:stretch>
+            <a:fillRect/>
+          </a:stretch>
+        </p:blipFill>
+        <p:spPr>
+          <a:xfrm>
+            <a:off x="2476500" y="1204912"/>
+            <a:ext cx="7239000" cy="4448175"/>
+          </a:xfrm>
+          <a:prstGeom prst="rect">
+            <a:avLst/>
+          </a:prstGeom>
+        </p:spPr>
+      </p:pic>
+    </p:spTree>
+    <p:extLst>
+      <p:ext uri="{BB962C8B-B14F-4D97-AF65-F5344CB8AC3E}">
+        <p14:creationId xmlns:p14="http://schemas.microsoft.com/office/powerpoint/2010/main" val="2720169988"/>
+      </p:ext>
+    </p:extLst>
+  </p:cSld>
+  <p:clrMapOvr>
+    <a:masterClrMapping/>
+  </p:clrMapOvr>
+</p:sld>
+</file>
+
+<file path=ppt/slides/slide8.xml><?xml version="1.0" encoding="utf-8"?>
+<p:sld xmlns:a="http://schemas.openxmlformats.org/drawingml/2006/main" xmlns:r="http://schemas.openxmlformats.org/officeDocument/2006/relationships" xmlns:p="http://schemas.openxmlformats.org/presentationml/2006/main">
+  <p:cSld>
+    <p:spTree>
+      <p:nvGrpSpPr>
+        <p:cNvPr id="1" name=""/>
+        <p:cNvGrpSpPr/>
+        <p:nvPr/>
+      </p:nvGrpSpPr>
+      <p:grpSpPr>
+        <a:xfrm>
+          <a:off x="0" y="0"/>
+          <a:ext cx="0" cy="0"/>
+          <a:chOff x="0" y="0"/>
+          <a:chExt cx="0" cy="0"/>
+        </a:xfrm>
+      </p:grpSpPr>
+      <p:pic>
+        <p:nvPicPr>
+          <p:cNvPr id="5" name="Picture 4" descr="A diagram of a software model&#10;&#10;Description automatically generated">
+            <a:extLst>
+              <a:ext uri="{FF2B5EF4-FFF2-40B4-BE49-F238E27FC236}">
+                <a16:creationId xmlns:a16="http://schemas.microsoft.com/office/drawing/2014/main" id="{F046FB75-06A3-E6D7-E38E-965155FE9DBD}"/>
+              </a:ext>
+            </a:extLst>
+          </p:cNvPr>
+          <p:cNvPicPr>
+            <a:picLocks noChangeAspect="1"/>
+          </p:cNvPicPr>
+          <p:nvPr/>
+        </p:nvPicPr>
+        <p:blipFill>
+          <a:blip r:embed="rId2">
+            <a:extLst>
+              <a:ext uri="{28A0092B-C50C-407E-A947-70E740481C1C}">
+                <a14:useLocalDpi xmlns:a14="http://schemas.microsoft.com/office/drawing/2010/main" val="0"/>
+              </a:ext>
+            </a:extLst>
+          </a:blip>
+          <a:stretch>
+            <a:fillRect/>
+          </a:stretch>
+        </p:blipFill>
+        <p:spPr>
+          <a:xfrm>
+            <a:off x="3585543" y="625982"/>
+            <a:ext cx="5020913" cy="6232018"/>
+          </a:xfrm>
+          <a:prstGeom prst="rect">
+            <a:avLst/>
+          </a:prstGeom>
+        </p:spPr>
+      </p:pic>
+      <p:sp>
+        <p:nvSpPr>
+          <p:cNvPr id="2" name="Title 1">
+            <a:extLst>
+              <a:ext uri="{FF2B5EF4-FFF2-40B4-BE49-F238E27FC236}">
+                <a16:creationId xmlns:a16="http://schemas.microsoft.com/office/drawing/2014/main" id="{58BBC0ED-D8A2-6587-1314-177672BFD46A}"/>
+              </a:ext>
+            </a:extLst>
+          </p:cNvPr>
+          <p:cNvSpPr>
+            <a:spLocks noGrp="1"/>
+          </p:cNvSpPr>
+          <p:nvPr>
+            <p:ph type="title"/>
+          </p:nvPr>
+        </p:nvSpPr>
+        <p:spPr/>
+        <p:txBody>
+          <a:bodyPr/>
+          <a:lstStyle/>
+          <a:p>
+            <a:r>
+              <a:rPr lang="en-US" dirty="0"/>
+              <a:t>Methodology</a:t>
+            </a:r>
+          </a:p>
+        </p:txBody>
+      </p:sp>
+    </p:spTree>
+    <p:extLst>
+      <p:ext uri="{BB962C8B-B14F-4D97-AF65-F5344CB8AC3E}">
+        <p14:creationId xmlns:p14="http://schemas.microsoft.com/office/powerpoint/2010/main" val="2880163999"/>
       </p:ext>
     </p:extLst>
   </p:cSld>

--- a/Proposal/DEVELOPMENT OF A COMPREHENSIVE MOBILE APPLICATION FOR.pptx
+++ b/Proposal/DEVELOPMENT OF A COMPREHENSIVE MOBILE APPLICATION FOR.pptx
@@ -267,7 +267,7 @@
           <a:p>
             <a:fld id="{F85E37DB-1C9C-4FCD-8E8F-DFCA7CC4ABB7}" type="datetimeFigureOut">
               <a:rPr lang="en-US" smtClean="0"/>
-              <a:t>12/26/2024</a:t>
+              <a:t>3/1/2025</a:t>
             </a:fld>
             <a:endParaRPr lang="en-US"/>
           </a:p>
@@ -465,7 +465,7 @@
           <a:p>
             <a:fld id="{F85E37DB-1C9C-4FCD-8E8F-DFCA7CC4ABB7}" type="datetimeFigureOut">
               <a:rPr lang="en-US" smtClean="0"/>
-              <a:t>12/26/2024</a:t>
+              <a:t>3/1/2025</a:t>
             </a:fld>
             <a:endParaRPr lang="en-US"/>
           </a:p>
@@ -673,7 +673,7 @@
           <a:p>
             <a:fld id="{F85E37DB-1C9C-4FCD-8E8F-DFCA7CC4ABB7}" type="datetimeFigureOut">
               <a:rPr lang="en-US" smtClean="0"/>
-              <a:t>12/26/2024</a:t>
+              <a:t>3/1/2025</a:t>
             </a:fld>
             <a:endParaRPr lang="en-US"/>
           </a:p>
@@ -871,7 +871,7 @@
           <a:p>
             <a:fld id="{F85E37DB-1C9C-4FCD-8E8F-DFCA7CC4ABB7}" type="datetimeFigureOut">
               <a:rPr lang="en-US" smtClean="0"/>
-              <a:t>12/26/2024</a:t>
+              <a:t>3/1/2025</a:t>
             </a:fld>
             <a:endParaRPr lang="en-US"/>
           </a:p>
@@ -1146,7 +1146,7 @@
           <a:p>
             <a:fld id="{F85E37DB-1C9C-4FCD-8E8F-DFCA7CC4ABB7}" type="datetimeFigureOut">
               <a:rPr lang="en-US" smtClean="0"/>
-              <a:t>12/26/2024</a:t>
+              <a:t>3/1/2025</a:t>
             </a:fld>
             <a:endParaRPr lang="en-US"/>
           </a:p>
@@ -1411,7 +1411,7 @@
           <a:p>
             <a:fld id="{F85E37DB-1C9C-4FCD-8E8F-DFCA7CC4ABB7}" type="datetimeFigureOut">
               <a:rPr lang="en-US" smtClean="0"/>
-              <a:t>12/26/2024</a:t>
+              <a:t>3/1/2025</a:t>
             </a:fld>
             <a:endParaRPr lang="en-US"/>
           </a:p>
@@ -1823,7 +1823,7 @@
           <a:p>
             <a:fld id="{F85E37DB-1C9C-4FCD-8E8F-DFCA7CC4ABB7}" type="datetimeFigureOut">
               <a:rPr lang="en-US" smtClean="0"/>
-              <a:t>12/26/2024</a:t>
+              <a:t>3/1/2025</a:t>
             </a:fld>
             <a:endParaRPr lang="en-US"/>
           </a:p>
@@ -1964,7 +1964,7 @@
           <a:p>
             <a:fld id="{F85E37DB-1C9C-4FCD-8E8F-DFCA7CC4ABB7}" type="datetimeFigureOut">
               <a:rPr lang="en-US" smtClean="0"/>
-              <a:t>12/26/2024</a:t>
+              <a:t>3/1/2025</a:t>
             </a:fld>
             <a:endParaRPr lang="en-US"/>
           </a:p>
@@ -2077,7 +2077,7 @@
           <a:p>
             <a:fld id="{F85E37DB-1C9C-4FCD-8E8F-DFCA7CC4ABB7}" type="datetimeFigureOut">
               <a:rPr lang="en-US" smtClean="0"/>
-              <a:t>12/26/2024</a:t>
+              <a:t>3/1/2025</a:t>
             </a:fld>
             <a:endParaRPr lang="en-US"/>
           </a:p>
@@ -2388,7 +2388,7 @@
           <a:p>
             <a:fld id="{F85E37DB-1C9C-4FCD-8E8F-DFCA7CC4ABB7}" type="datetimeFigureOut">
               <a:rPr lang="en-US" smtClean="0"/>
-              <a:t>12/26/2024</a:t>
+              <a:t>3/1/2025</a:t>
             </a:fld>
             <a:endParaRPr lang="en-US"/>
           </a:p>
@@ -2676,7 +2676,7 @@
           <a:p>
             <a:fld id="{F85E37DB-1C9C-4FCD-8E8F-DFCA7CC4ABB7}" type="datetimeFigureOut">
               <a:rPr lang="en-US" smtClean="0"/>
-              <a:t>12/26/2024</a:t>
+              <a:t>3/1/2025</a:t>
             </a:fld>
             <a:endParaRPr lang="en-US"/>
           </a:p>
@@ -2917,7 +2917,7 @@
           <a:p>
             <a:fld id="{F85E37DB-1C9C-4FCD-8E8F-DFCA7CC4ABB7}" type="datetimeFigureOut">
               <a:rPr lang="en-US" smtClean="0"/>
-              <a:t>12/26/2024</a:t>
+              <a:t>3/1/2025</a:t>
             </a:fld>
             <a:endParaRPr lang="en-US"/>
           </a:p>
@@ -5010,42 +5010,6 @@
           </a:prstGeom>
         </p:spPr>
       </p:pic>
-      <p:pic>
-        <p:nvPicPr>
-          <p:cNvPr id="23" name="Graphic 22">
-            <a:extLst>
-              <a:ext uri="{FF2B5EF4-FFF2-40B4-BE49-F238E27FC236}">
-                <a16:creationId xmlns:a16="http://schemas.microsoft.com/office/drawing/2014/main" id="{93874765-10C8-2124-4994-3F196030D480}"/>
-              </a:ext>
-            </a:extLst>
-          </p:cNvPr>
-          <p:cNvPicPr>
-            <a:picLocks noChangeAspect="1"/>
-          </p:cNvPicPr>
-          <p:nvPr/>
-        </p:nvPicPr>
-        <p:blipFill>
-          <a:blip r:embed="rId9">
-            <a:extLst>
-              <a:ext uri="{96DAC541-7B7A-43D3-8B79-37D633B846F1}">
-                <asvg:svgBlip xmlns:asvg="http://schemas.microsoft.com/office/drawing/2016/SVG/main" r:embed="rId10"/>
-              </a:ext>
-            </a:extLst>
-          </a:blip>
-          <a:stretch>
-            <a:fillRect/>
-          </a:stretch>
-        </p:blipFill>
-        <p:spPr>
-          <a:xfrm rot="1413129">
-            <a:off x="9353096" y="2397367"/>
-            <a:ext cx="2022388" cy="2860380"/>
-          </a:xfrm>
-          <a:prstGeom prst="rect">
-            <a:avLst/>
-          </a:prstGeom>
-        </p:spPr>
-      </p:pic>
       <p:sp>
         <p:nvSpPr>
           <p:cNvPr id="24" name="TextBox 23">
@@ -5077,11 +5041,50 @@
             <a:pPr algn="ctr"/>
             <a:r>
               <a:rPr lang="en-US" dirty="0"/>
-              <a:t>Backend using Node.js and Express.js, with MongoDB as database.</a:t>
-            </a:r>
-          </a:p>
-        </p:txBody>
-      </p:sp>
+              <a:t>Backend using Node.js and Express.js, with PostgreSQL as database.</a:t>
+            </a:r>
+          </a:p>
+        </p:txBody>
+      </p:sp>
+      <p:pic>
+        <p:nvPicPr>
+          <p:cNvPr id="4" name="Picture 3" descr="A blue elephant with white outline&#10;&#10;AI-generated content may be incorrect.">
+            <a:extLst>
+              <a:ext uri="{FF2B5EF4-FFF2-40B4-BE49-F238E27FC236}">
+                <a16:creationId xmlns:a16="http://schemas.microsoft.com/office/drawing/2014/main" id="{99B00D1E-1F96-6B25-5B85-72EF11F7D9EE}"/>
+              </a:ext>
+            </a:extLst>
+          </p:cNvPr>
+          <p:cNvPicPr>
+            <a:picLocks noChangeAspect="1"/>
+          </p:cNvPicPr>
+          <p:nvPr/>
+        </p:nvPicPr>
+        <p:blipFill>
+          <a:blip r:embed="rId9">
+            <a:extLst>
+              <a:ext uri="{28A0092B-C50C-407E-A947-70E740481C1C}">
+                <a14:useLocalDpi xmlns:a14="http://schemas.microsoft.com/office/drawing/2010/main" val="0"/>
+              </a:ext>
+              <a:ext uri="{837473B0-CC2E-450A-ABE3-18F120FF3D39}">
+                <a1611:picAttrSrcUrl xmlns:a1611="http://schemas.microsoft.com/office/drawing/2016/11/main" r:id="rId10"/>
+              </a:ext>
+            </a:extLst>
+          </a:blip>
+          <a:stretch>
+            <a:fillRect/>
+          </a:stretch>
+        </p:blipFill>
+        <p:spPr>
+          <a:xfrm rot="1198122">
+            <a:off x="9478978" y="2802653"/>
+            <a:ext cx="1557773" cy="1605545"/>
+          </a:xfrm>
+          <a:prstGeom prst="rect">
+            <a:avLst/>
+          </a:prstGeom>
+        </p:spPr>
+      </p:pic>
     </p:spTree>
     <p:extLst>
       <p:ext uri="{BB962C8B-B14F-4D97-AF65-F5344CB8AC3E}">
